--- a/Midterm_Project/視覺稿/首頁(視覺稿).pptx
+++ b/Midterm_Project/視覺稿/首頁(視覺稿).pptx
@@ -104,6 +104,11 @@
       </a:defRPr>
     </a:lvl9pPr>
   </p:defaultTextStyle>
+  <p:extLst>
+    <p:ext uri="{EFAFB233-063F-42B5-8137-9DF3F51BA10A}">
+      <p15:sldGuideLst xmlns:p15="http://schemas.microsoft.com/office/powerpoint/2012/main"/>
+    </p:ext>
+  </p:extLst>
 </p:presentation>
 </file>
 
@@ -2991,6 +2996,9 @@
           <a:solidFill>
             <a:srgbClr val="FFFFFF"/>
           </a:solidFill>
+          <a:ln>
+            <a:noFill/>
+          </a:ln>
         </p:spPr>
         <p:style>
           <a:lnRef idx="2">
@@ -3044,7 +3052,7 @@
         </p:blipFill>
         <p:spPr>
           <a:xfrm>
-            <a:off x="1391661" y="111795"/>
+            <a:off x="3327141" y="111795"/>
             <a:ext cx="1142667" cy="914134"/>
           </a:xfrm>
           <a:prstGeom prst="rect">
@@ -3175,6 +3183,9 @@
           <a:solidFill>
             <a:schemeClr val="bg1"/>
           </a:solidFill>
+          <a:ln>
+            <a:noFill/>
+          </a:ln>
         </p:spPr>
         <p:style>
           <a:lnRef idx="2">
@@ -3235,6 +3246,9 @@
           <a:solidFill>
             <a:schemeClr val="bg1"/>
           </a:solidFill>
+          <a:ln>
+            <a:noFill/>
+          </a:ln>
         </p:spPr>
         <p:style>
           <a:lnRef idx="2">
@@ -4025,6 +4039,9 @@
           <a:solidFill>
             <a:schemeClr val="bg1"/>
           </a:solidFill>
+          <a:ln>
+            <a:noFill/>
+          </a:ln>
         </p:spPr>
         <p:style>
           <a:lnRef idx="2">
@@ -4480,6 +4497,9 @@
           <a:solidFill>
             <a:schemeClr val="bg1"/>
           </a:solidFill>
+          <a:ln>
+            <a:noFill/>
+          </a:ln>
         </p:spPr>
         <p:style>
           <a:lnRef idx="2">
@@ -4638,9 +4658,9 @@
           <p:nvPr/>
         </p:nvCxnSpPr>
         <p:spPr>
-          <a:xfrm flipV="1">
-            <a:off x="1800228" y="20931659"/>
-            <a:ext cx="14400211" cy="89569"/>
+          <a:xfrm>
+            <a:off x="-1" y="20909280"/>
+            <a:ext cx="18000664" cy="0"/>
           </a:xfrm>
           <a:prstGeom prst="line">
             <a:avLst/>

--- a/Midterm_Project/視覺稿/首頁(視覺稿).pptx
+++ b/Midterm_Project/視覺稿/首頁(視覺稿).pptx
@@ -243,7 +243,7 @@
           <a:p>
             <a:fld id="{838245C8-9A2C-4BD0-97C7-45F18F32E819}" type="datetimeFigureOut">
               <a:rPr lang="zh-TW" altLang="en-US" smtClean="0"/>
-              <a:t>2017/4/23</a:t>
+              <a:t>2017/4/24</a:t>
             </a:fld>
             <a:endParaRPr lang="zh-TW" altLang="en-US"/>
           </a:p>
@@ -413,7 +413,7 @@
           <a:p>
             <a:fld id="{838245C8-9A2C-4BD0-97C7-45F18F32E819}" type="datetimeFigureOut">
               <a:rPr lang="zh-TW" altLang="en-US" smtClean="0"/>
-              <a:t>2017/4/23</a:t>
+              <a:t>2017/4/24</a:t>
             </a:fld>
             <a:endParaRPr lang="zh-TW" altLang="en-US"/>
           </a:p>
@@ -593,7 +593,7 @@
           <a:p>
             <a:fld id="{838245C8-9A2C-4BD0-97C7-45F18F32E819}" type="datetimeFigureOut">
               <a:rPr lang="zh-TW" altLang="en-US" smtClean="0"/>
-              <a:t>2017/4/23</a:t>
+              <a:t>2017/4/24</a:t>
             </a:fld>
             <a:endParaRPr lang="zh-TW" altLang="en-US"/>
           </a:p>
@@ -763,7 +763,7 @@
           <a:p>
             <a:fld id="{838245C8-9A2C-4BD0-97C7-45F18F32E819}" type="datetimeFigureOut">
               <a:rPr lang="zh-TW" altLang="en-US" smtClean="0"/>
-              <a:t>2017/4/23</a:t>
+              <a:t>2017/4/24</a:t>
             </a:fld>
             <a:endParaRPr lang="zh-TW" altLang="en-US"/>
           </a:p>
@@ -1007,7 +1007,7 @@
           <a:p>
             <a:fld id="{838245C8-9A2C-4BD0-97C7-45F18F32E819}" type="datetimeFigureOut">
               <a:rPr lang="zh-TW" altLang="en-US" smtClean="0"/>
-              <a:t>2017/4/23</a:t>
+              <a:t>2017/4/24</a:t>
             </a:fld>
             <a:endParaRPr lang="zh-TW" altLang="en-US"/>
           </a:p>
@@ -1239,7 +1239,7 @@
           <a:p>
             <a:fld id="{838245C8-9A2C-4BD0-97C7-45F18F32E819}" type="datetimeFigureOut">
               <a:rPr lang="zh-TW" altLang="en-US" smtClean="0"/>
-              <a:t>2017/4/23</a:t>
+              <a:t>2017/4/24</a:t>
             </a:fld>
             <a:endParaRPr lang="zh-TW" altLang="en-US"/>
           </a:p>
@@ -1606,7 +1606,7 @@
           <a:p>
             <a:fld id="{838245C8-9A2C-4BD0-97C7-45F18F32E819}" type="datetimeFigureOut">
               <a:rPr lang="zh-TW" altLang="en-US" smtClean="0"/>
-              <a:t>2017/4/23</a:t>
+              <a:t>2017/4/24</a:t>
             </a:fld>
             <a:endParaRPr lang="zh-TW" altLang="en-US"/>
           </a:p>
@@ -1724,7 +1724,7 @@
           <a:p>
             <a:fld id="{838245C8-9A2C-4BD0-97C7-45F18F32E819}" type="datetimeFigureOut">
               <a:rPr lang="zh-TW" altLang="en-US" smtClean="0"/>
-              <a:t>2017/4/23</a:t>
+              <a:t>2017/4/24</a:t>
             </a:fld>
             <a:endParaRPr lang="zh-TW" altLang="en-US"/>
           </a:p>
@@ -1819,7 +1819,7 @@
           <a:p>
             <a:fld id="{838245C8-9A2C-4BD0-97C7-45F18F32E819}" type="datetimeFigureOut">
               <a:rPr lang="zh-TW" altLang="en-US" smtClean="0"/>
-              <a:t>2017/4/23</a:t>
+              <a:t>2017/4/24</a:t>
             </a:fld>
             <a:endParaRPr lang="zh-TW" altLang="en-US"/>
           </a:p>
@@ -2096,7 +2096,7 @@
           <a:p>
             <a:fld id="{838245C8-9A2C-4BD0-97C7-45F18F32E819}" type="datetimeFigureOut">
               <a:rPr lang="zh-TW" altLang="en-US" smtClean="0"/>
-              <a:t>2017/4/23</a:t>
+              <a:t>2017/4/24</a:t>
             </a:fld>
             <a:endParaRPr lang="zh-TW" altLang="en-US"/>
           </a:p>
@@ -2353,7 +2353,7 @@
           <a:p>
             <a:fld id="{838245C8-9A2C-4BD0-97C7-45F18F32E819}" type="datetimeFigureOut">
               <a:rPr lang="zh-TW" altLang="en-US" smtClean="0"/>
-              <a:t>2017/4/23</a:t>
+              <a:t>2017/4/24</a:t>
             </a:fld>
             <a:endParaRPr lang="zh-TW" altLang="en-US"/>
           </a:p>
@@ -2566,7 +2566,7 @@
           <a:p>
             <a:fld id="{838245C8-9A2C-4BD0-97C7-45F18F32E819}" type="datetimeFigureOut">
               <a:rPr lang="zh-TW" altLang="en-US" smtClean="0"/>
-              <a:t>2017/4/23</a:t>
+              <a:t>2017/4/24</a:t>
             </a:fld>
             <a:endParaRPr lang="zh-TW" altLang="en-US"/>
           </a:p>
@@ -3110,22 +3110,28 @@
               <a:rPr lang="zh-TW" altLang="en-US" dirty="0">
                 <a:latin typeface="Garamond" panose="02020404030301010803" pitchFamily="18" charset="0"/>
               </a:rPr>
-              <a:t>   最新食譜</a:t>
-            </a:r>
-            <a:r>
-              <a:rPr lang="en-US" altLang="zh-TW" dirty="0">
+              <a:t>   最新</a:t>
+            </a:r>
+            <a:r>
+              <a:rPr lang="zh-TW" altLang="en-US" dirty="0" smtClean="0">
+                <a:latin typeface="Garamond" panose="02020404030301010803" pitchFamily="18" charset="0"/>
+              </a:rPr>
+              <a:t>食譜 </a:t>
+            </a:r>
+            <a:r>
+              <a:rPr lang="en-US" altLang="zh-TW" dirty="0" smtClean="0">
                 <a:latin typeface="Garamond" panose="02020404030301010803" pitchFamily="18" charset="0"/>
               </a:rPr>
               <a:t>New </a:t>
             </a:r>
             <a:r>
-              <a:rPr lang="zh-TW" altLang="en-US" dirty="0">
+              <a:rPr lang="zh-TW" altLang="en-US" smtClean="0">
                 <a:latin typeface="Garamond" panose="02020404030301010803" pitchFamily="18" charset="0"/>
               </a:rPr>
-              <a:t>   註冊</a:t>
-            </a:r>
-            <a:r>
-              <a:rPr lang="en-US" altLang="zh-TW" dirty="0">
+              <a:t>   註冊 </a:t>
+            </a:r>
+            <a:r>
+              <a:rPr lang="en-US" altLang="zh-TW" smtClean="0">
                 <a:latin typeface="Garamond" panose="02020404030301010803" pitchFamily="18" charset="0"/>
               </a:rPr>
               <a:t>Sign</a:t>
